--- a/presentation/presentation.pptx
+++ b/presentation/presentation.pptx
@@ -12447,7 +12447,10 @@
           <a:bodyPr/>
           <a:lstStyle/>
           <a:p>
-            <a:endParaRPr lang="en-US" dirty="0"/>
+            <a:r>
+              <a:rPr lang="en-US" dirty="0"/>
+              <a:t>Bigrams!!!</a:t>
+            </a:r>
           </a:p>
         </p:txBody>
       </p:sp>
@@ -13155,7 +13158,22 @@
           <a:bodyPr/>
           <a:lstStyle/>
           <a:p>
-            <a:endParaRPr lang="en-US" dirty="0"/>
+            <a:r>
+              <a:rPr lang="en-US" dirty="0" err="1"/>
+              <a:t>Fit_time</a:t>
+            </a:r>
+            <a:r>
+              <a:rPr lang="en-US" dirty="0"/>
+              <a:t> doesn’t refer to </a:t>
+            </a:r>
+            <a:r>
+              <a:rPr lang="en-US" dirty="0" err="1"/>
+              <a:t>GridSearch</a:t>
+            </a:r>
+            <a:r>
+              <a:rPr lang="en-US" dirty="0"/>
+              <a:t> – it refers to the time required to fit the final selected model on the training data</a:t>
+            </a:r>
           </a:p>
         </p:txBody>
       </p:sp>
@@ -20903,7 +20921,7 @@
           <a:p>
             <a:r>
               <a:rPr lang="en-US" dirty="0"/>
-              <a:t>Sprout imports 1000s of user-generated documents a day from a variety of social media sources</a:t>
+              <a:t>Sprout sends me 1000s of user-generated documents a day from a variety of social media sources</a:t>
             </a:r>
           </a:p>
           <a:p>
@@ -21565,8 +21583,25 @@
             </a:r>
             <a:r>
               <a:rPr lang="en-US" dirty="0"/>
-              <a:t> models trained</a:t>
-            </a:r>
+              <a:t> models trained on </a:t>
+            </a:r>
+            <a:r>
+              <a:rPr lang="en-US" b="1" dirty="0" err="1"/>
+              <a:t>classicalmusic</a:t>
+            </a:r>
+            <a:r>
+              <a:rPr lang="en-US" dirty="0"/>
+              <a:t> and </a:t>
+            </a:r>
+            <a:r>
+              <a:rPr lang="en-US" b="1"/>
+              <a:t>jazz</a:t>
+            </a:r>
+            <a:r>
+              <a:rPr lang="en-US"/>
+              <a:t> subreddits</a:t>
+            </a:r>
+            <a:endParaRPr lang="en-US" dirty="0"/>
           </a:p>
           <a:p>
             <a:r>
